--- a/Project_Management/Synoptique_RGB_LED_version.pptx
+++ b/Project_Management/Synoptique_RGB_LED_version.pptx
@@ -289,7 +289,7 @@
           <a:p>
             <a:fld id="{AA309A6D-C09C-4548-B29A-6CF363A7E532}" type="datetimeFigureOut">
               <a:rPr lang="fr-FR" smtClean="0"/>
-              <a:t>28/04/2013</a:t>
+              <a:t>30/05/2013</a:t>
             </a:fld>
             <a:endParaRPr lang="fr-BE"/>
           </a:p>
@@ -454,7 +454,7 @@
           <a:p>
             <a:fld id="{AA309A6D-C09C-4548-B29A-6CF363A7E532}" type="datetimeFigureOut">
               <a:rPr lang="fr-FR" smtClean="0"/>
-              <a:t>28/04/2013</a:t>
+              <a:t>30/05/2013</a:t>
             </a:fld>
             <a:endParaRPr lang="fr-BE"/>
           </a:p>
@@ -629,7 +629,7 @@
           <a:p>
             <a:fld id="{AA309A6D-C09C-4548-B29A-6CF363A7E532}" type="datetimeFigureOut">
               <a:rPr lang="fr-FR" smtClean="0"/>
-              <a:t>28/04/2013</a:t>
+              <a:t>30/05/2013</a:t>
             </a:fld>
             <a:endParaRPr lang="fr-BE"/>
           </a:p>
@@ -794,7 +794,7 @@
           <a:p>
             <a:fld id="{AA309A6D-C09C-4548-B29A-6CF363A7E532}" type="datetimeFigureOut">
               <a:rPr lang="fr-FR" smtClean="0"/>
-              <a:t>28/04/2013</a:t>
+              <a:t>30/05/2013</a:t>
             </a:fld>
             <a:endParaRPr lang="fr-BE"/>
           </a:p>
@@ -1035,7 +1035,7 @@
           <a:p>
             <a:fld id="{AA309A6D-C09C-4548-B29A-6CF363A7E532}" type="datetimeFigureOut">
               <a:rPr lang="fr-FR" smtClean="0"/>
-              <a:t>28/04/2013</a:t>
+              <a:t>30/05/2013</a:t>
             </a:fld>
             <a:endParaRPr lang="fr-BE"/>
           </a:p>
@@ -1318,7 +1318,7 @@
           <a:p>
             <a:fld id="{AA309A6D-C09C-4548-B29A-6CF363A7E532}" type="datetimeFigureOut">
               <a:rPr lang="fr-FR" smtClean="0"/>
-              <a:t>28/04/2013</a:t>
+              <a:t>30/05/2013</a:t>
             </a:fld>
             <a:endParaRPr lang="fr-BE"/>
           </a:p>
@@ -1735,7 +1735,7 @@
           <a:p>
             <a:fld id="{AA309A6D-C09C-4548-B29A-6CF363A7E532}" type="datetimeFigureOut">
               <a:rPr lang="fr-FR" smtClean="0"/>
-              <a:t>28/04/2013</a:t>
+              <a:t>30/05/2013</a:t>
             </a:fld>
             <a:endParaRPr lang="fr-BE"/>
           </a:p>
@@ -1848,7 +1848,7 @@
           <a:p>
             <a:fld id="{AA309A6D-C09C-4548-B29A-6CF363A7E532}" type="datetimeFigureOut">
               <a:rPr lang="fr-FR" smtClean="0"/>
-              <a:t>28/04/2013</a:t>
+              <a:t>30/05/2013</a:t>
             </a:fld>
             <a:endParaRPr lang="fr-BE"/>
           </a:p>
@@ -1938,7 +1938,7 @@
           <a:p>
             <a:fld id="{AA309A6D-C09C-4548-B29A-6CF363A7E532}" type="datetimeFigureOut">
               <a:rPr lang="fr-FR" smtClean="0"/>
-              <a:t>28/04/2013</a:t>
+              <a:t>30/05/2013</a:t>
             </a:fld>
             <a:endParaRPr lang="fr-BE"/>
           </a:p>
@@ -2210,7 +2210,7 @@
           <a:p>
             <a:fld id="{AA309A6D-C09C-4548-B29A-6CF363A7E532}" type="datetimeFigureOut">
               <a:rPr lang="fr-FR" smtClean="0"/>
-              <a:t>28/04/2013</a:t>
+              <a:t>30/05/2013</a:t>
             </a:fld>
             <a:endParaRPr lang="fr-BE"/>
           </a:p>
@@ -2458,7 +2458,7 @@
           <a:p>
             <a:fld id="{AA309A6D-C09C-4548-B29A-6CF363A7E532}" type="datetimeFigureOut">
               <a:rPr lang="fr-FR" smtClean="0"/>
-              <a:t>28/04/2013</a:t>
+              <a:t>30/05/2013</a:t>
             </a:fld>
             <a:endParaRPr lang="fr-BE"/>
           </a:p>
@@ -2666,7 +2666,7 @@
           <a:p>
             <a:fld id="{AA309A6D-C09C-4548-B29A-6CF363A7E532}" type="datetimeFigureOut">
               <a:rPr lang="fr-FR" smtClean="0"/>
-              <a:t>28/04/2013</a:t>
+              <a:t>30/05/2013</a:t>
             </a:fld>
             <a:endParaRPr lang="fr-BE"/>
           </a:p>
@@ -3728,185 +3728,6 @@
           </a:p>
         </p:txBody>
       </p:sp>
-      <p:grpSp>
-        <p:nvGrpSpPr>
-          <p:cNvPr id="43" name="Groupe 42"/>
-          <p:cNvGrpSpPr/>
-          <p:nvPr/>
-        </p:nvGrpSpPr>
-        <p:grpSpPr>
-          <a:xfrm>
-            <a:off x="7387665" y="4432465"/>
-            <a:ext cx="302740" cy="148662"/>
-            <a:chOff x="6372200" y="1700808"/>
-            <a:chExt cx="302740" cy="148662"/>
-          </a:xfrm>
-        </p:grpSpPr>
-        <p:sp>
-          <p:nvSpPr>
-            <p:cNvPr id="42" name="Arc 41"/>
-            <p:cNvSpPr/>
-            <p:nvPr/>
-          </p:nvSpPr>
-          <p:spPr>
-            <a:xfrm rot="16200000">
-              <a:off x="6333873" y="1739135"/>
-              <a:ext cx="148662" cy="72008"/>
-            </a:xfrm>
-            <a:prstGeom prst="arc">
-              <a:avLst>
-                <a:gd name="adj1" fmla="val 16200000"/>
-                <a:gd name="adj2" fmla="val 5316169"/>
-              </a:avLst>
-            </a:prstGeom>
-          </p:spPr>
-          <p:style>
-            <a:lnRef idx="2">
-              <a:schemeClr val="accent3"/>
-            </a:lnRef>
-            <a:fillRef idx="0">
-              <a:schemeClr val="accent3"/>
-            </a:fillRef>
-            <a:effectRef idx="1">
-              <a:schemeClr val="accent3"/>
-            </a:effectRef>
-            <a:fontRef idx="minor">
-              <a:schemeClr val="tx1"/>
-            </a:fontRef>
-          </p:style>
-          <p:txBody>
-            <a:bodyPr rtlCol="0" anchor="ctr"/>
-            <a:lstStyle/>
-            <a:p>
-              <a:pPr algn="ctr"/>
-              <a:endParaRPr lang="fr-FR" dirty="0"/>
-            </a:p>
-          </p:txBody>
-        </p:sp>
-        <p:sp>
-          <p:nvSpPr>
-            <p:cNvPr id="47" name="Arc 46"/>
-            <p:cNvSpPr/>
-            <p:nvPr/>
-          </p:nvSpPr>
-          <p:spPr>
-            <a:xfrm rot="16200000">
-              <a:off x="6405881" y="1739135"/>
-              <a:ext cx="148662" cy="72008"/>
-            </a:xfrm>
-            <a:prstGeom prst="arc">
-              <a:avLst>
-                <a:gd name="adj1" fmla="val 16200000"/>
-                <a:gd name="adj2" fmla="val 5316169"/>
-              </a:avLst>
-            </a:prstGeom>
-          </p:spPr>
-          <p:style>
-            <a:lnRef idx="2">
-              <a:schemeClr val="accent3"/>
-            </a:lnRef>
-            <a:fillRef idx="0">
-              <a:schemeClr val="accent3"/>
-            </a:fillRef>
-            <a:effectRef idx="1">
-              <a:schemeClr val="accent3"/>
-            </a:effectRef>
-            <a:fontRef idx="minor">
-              <a:schemeClr val="tx1"/>
-            </a:fontRef>
-          </p:style>
-          <p:txBody>
-            <a:bodyPr rtlCol="0" anchor="ctr"/>
-            <a:lstStyle/>
-            <a:p>
-              <a:pPr algn="ctr"/>
-              <a:endParaRPr lang="fr-FR" dirty="0"/>
-            </a:p>
-          </p:txBody>
-        </p:sp>
-        <p:sp>
-          <p:nvSpPr>
-            <p:cNvPr id="48" name="Arc 47"/>
-            <p:cNvSpPr/>
-            <p:nvPr/>
-          </p:nvSpPr>
-          <p:spPr>
-            <a:xfrm rot="16200000">
-              <a:off x="6490911" y="1739135"/>
-              <a:ext cx="148662" cy="72008"/>
-            </a:xfrm>
-            <a:prstGeom prst="arc">
-              <a:avLst>
-                <a:gd name="adj1" fmla="val 16200000"/>
-                <a:gd name="adj2" fmla="val 5316169"/>
-              </a:avLst>
-            </a:prstGeom>
-          </p:spPr>
-          <p:style>
-            <a:lnRef idx="2">
-              <a:schemeClr val="accent3"/>
-            </a:lnRef>
-            <a:fillRef idx="0">
-              <a:schemeClr val="accent3"/>
-            </a:fillRef>
-            <a:effectRef idx="1">
-              <a:schemeClr val="accent3"/>
-            </a:effectRef>
-            <a:fontRef idx="minor">
-              <a:schemeClr val="tx1"/>
-            </a:fontRef>
-          </p:style>
-          <p:txBody>
-            <a:bodyPr rtlCol="0" anchor="ctr"/>
-            <a:lstStyle/>
-            <a:p>
-              <a:pPr algn="ctr"/>
-              <a:endParaRPr lang="fr-FR" dirty="0"/>
-            </a:p>
-          </p:txBody>
-        </p:sp>
-        <p:sp>
-          <p:nvSpPr>
-            <p:cNvPr id="49" name="Arc 48"/>
-            <p:cNvSpPr/>
-            <p:nvPr/>
-          </p:nvSpPr>
-          <p:spPr>
-            <a:xfrm rot="16200000">
-              <a:off x="6564605" y="1739135"/>
-              <a:ext cx="148662" cy="72008"/>
-            </a:xfrm>
-            <a:prstGeom prst="arc">
-              <a:avLst>
-                <a:gd name="adj1" fmla="val 16200000"/>
-                <a:gd name="adj2" fmla="val 5316169"/>
-              </a:avLst>
-            </a:prstGeom>
-          </p:spPr>
-          <p:style>
-            <a:lnRef idx="2">
-              <a:schemeClr val="accent3"/>
-            </a:lnRef>
-            <a:fillRef idx="0">
-              <a:schemeClr val="accent3"/>
-            </a:fillRef>
-            <a:effectRef idx="1">
-              <a:schemeClr val="accent3"/>
-            </a:effectRef>
-            <a:fontRef idx="minor">
-              <a:schemeClr val="tx1"/>
-            </a:fontRef>
-          </p:style>
-          <p:txBody>
-            <a:bodyPr rtlCol="0" anchor="ctr"/>
-            <a:lstStyle/>
-            <a:p>
-              <a:pPr algn="ctr"/>
-              <a:endParaRPr lang="fr-FR" dirty="0"/>
-            </a:p>
-          </p:txBody>
-        </p:sp>
-      </p:grpSp>
       <p:cxnSp>
         <p:nvCxnSpPr>
           <p:cNvPr id="45" name="Connecteur droit 44"/>
@@ -4163,8 +3984,8 @@
         </p:nvCxnSpPr>
         <p:spPr>
           <a:xfrm flipH="1">
-            <a:off x="7689862" y="4498743"/>
-            <a:ext cx="194506" cy="1"/>
+            <a:off x="7387665" y="4498743"/>
+            <a:ext cx="496703" cy="8052"/>
           </a:xfrm>
           <a:prstGeom prst="line">
             <a:avLst/>
@@ -5713,6 +5534,36 @@
               <a:t> cmd for  RGB LED output</a:t>
             </a:r>
             <a:endParaRPr lang="fr-FR" sz="1200" dirty="0"/>
+          </a:p>
+        </p:txBody>
+      </p:sp>
+      <p:sp>
+        <p:nvSpPr>
+          <p:cNvPr id="76" name="ZoneTexte 75"/>
+          <p:cNvSpPr txBox="1"/>
+          <p:nvPr/>
+        </p:nvSpPr>
+        <p:spPr>
+          <a:xfrm>
+            <a:off x="7459686" y="4713411"/>
+            <a:ext cx="288032" cy="153888"/>
+          </a:xfrm>
+          <a:prstGeom prst="rect">
+            <a:avLst/>
+          </a:prstGeom>
+          <a:noFill/>
+        </p:spPr>
+        <p:txBody>
+          <a:bodyPr wrap="square" lIns="0" tIns="0" rIns="0" bIns="0" rtlCol="0">
+            <a:spAutoFit/>
+          </a:bodyPr>
+          <a:lstStyle/>
+          <a:p>
+            <a:r>
+              <a:rPr lang="fr-FR" sz="1000" dirty="0" smtClean="0"/>
+              <a:t>1µF</a:t>
+            </a:r>
+            <a:endParaRPr lang="fr-FR" sz="1000" dirty="0"/>
           </a:p>
         </p:txBody>
       </p:sp>
